--- a/design/Design.pptx
+++ b/design/Design.pptx
@@ -104,6 +104,11 @@
       </a:defRPr>
     </a:lvl9pPr>
   </p:defaultTextStyle>
+  <p:extLst>
+    <p:ext uri="{EFAFB233-063F-42B5-8137-9DF3F51BA10A}">
+      <p15:sldGuideLst xmlns:p15="http://schemas.microsoft.com/office/powerpoint/2012/main"/>
+    </p:ext>
+  </p:extLst>
 </p:presentation>
 </file>
 
@@ -254,7 +259,7 @@
           <a:p>
             <a:fld id="{F4D45F52-4B85-444B-B170-249982F8F5EA}" type="datetimeFigureOut">
               <a:rPr lang="en-US" smtClean="0"/>
-              <a:t>6/15/19</a:t>
+              <a:t>6/20/19</a:t>
             </a:fld>
             <a:endParaRPr lang="en-US"/>
           </a:p>
@@ -452,7 +457,7 @@
           <a:p>
             <a:fld id="{F4D45F52-4B85-444B-B170-249982F8F5EA}" type="datetimeFigureOut">
               <a:rPr lang="en-US" smtClean="0"/>
-              <a:t>6/15/19</a:t>
+              <a:t>6/20/19</a:t>
             </a:fld>
             <a:endParaRPr lang="en-US"/>
           </a:p>
@@ -660,7 +665,7 @@
           <a:p>
             <a:fld id="{F4D45F52-4B85-444B-B170-249982F8F5EA}" type="datetimeFigureOut">
               <a:rPr lang="en-US" smtClean="0"/>
-              <a:t>6/15/19</a:t>
+              <a:t>6/20/19</a:t>
             </a:fld>
             <a:endParaRPr lang="en-US"/>
           </a:p>
@@ -858,7 +863,7 @@
           <a:p>
             <a:fld id="{F4D45F52-4B85-444B-B170-249982F8F5EA}" type="datetimeFigureOut">
               <a:rPr lang="en-US" smtClean="0"/>
-              <a:t>6/15/19</a:t>
+              <a:t>6/20/19</a:t>
             </a:fld>
             <a:endParaRPr lang="en-US"/>
           </a:p>
@@ -1133,7 +1138,7 @@
           <a:p>
             <a:fld id="{F4D45F52-4B85-444B-B170-249982F8F5EA}" type="datetimeFigureOut">
               <a:rPr lang="en-US" smtClean="0"/>
-              <a:t>6/15/19</a:t>
+              <a:t>6/20/19</a:t>
             </a:fld>
             <a:endParaRPr lang="en-US"/>
           </a:p>
@@ -1398,7 +1403,7 @@
           <a:p>
             <a:fld id="{F4D45F52-4B85-444B-B170-249982F8F5EA}" type="datetimeFigureOut">
               <a:rPr lang="en-US" smtClean="0"/>
-              <a:t>6/15/19</a:t>
+              <a:t>6/20/19</a:t>
             </a:fld>
             <a:endParaRPr lang="en-US"/>
           </a:p>
@@ -1810,7 +1815,7 @@
           <a:p>
             <a:fld id="{F4D45F52-4B85-444B-B170-249982F8F5EA}" type="datetimeFigureOut">
               <a:rPr lang="en-US" smtClean="0"/>
-              <a:t>6/15/19</a:t>
+              <a:t>6/20/19</a:t>
             </a:fld>
             <a:endParaRPr lang="en-US"/>
           </a:p>
@@ -1951,7 +1956,7 @@
           <a:p>
             <a:fld id="{F4D45F52-4B85-444B-B170-249982F8F5EA}" type="datetimeFigureOut">
               <a:rPr lang="en-US" smtClean="0"/>
-              <a:t>6/15/19</a:t>
+              <a:t>6/20/19</a:t>
             </a:fld>
             <a:endParaRPr lang="en-US"/>
           </a:p>
@@ -2064,7 +2069,7 @@
           <a:p>
             <a:fld id="{F4D45F52-4B85-444B-B170-249982F8F5EA}" type="datetimeFigureOut">
               <a:rPr lang="en-US" smtClean="0"/>
-              <a:t>6/15/19</a:t>
+              <a:t>6/20/19</a:t>
             </a:fld>
             <a:endParaRPr lang="en-US"/>
           </a:p>
@@ -2375,7 +2380,7 @@
           <a:p>
             <a:fld id="{F4D45F52-4B85-444B-B170-249982F8F5EA}" type="datetimeFigureOut">
               <a:rPr lang="en-US" smtClean="0"/>
-              <a:t>6/15/19</a:t>
+              <a:t>6/20/19</a:t>
             </a:fld>
             <a:endParaRPr lang="en-US"/>
           </a:p>
@@ -2663,7 +2668,7 @@
           <a:p>
             <a:fld id="{F4D45F52-4B85-444B-B170-249982F8F5EA}" type="datetimeFigureOut">
               <a:rPr lang="en-US" smtClean="0"/>
-              <a:t>6/15/19</a:t>
+              <a:t>6/20/19</a:t>
             </a:fld>
             <a:endParaRPr lang="en-US"/>
           </a:p>
@@ -2904,7 +2909,7 @@
           <a:p>
             <a:fld id="{F4D45F52-4B85-444B-B170-249982F8F5EA}" type="datetimeFigureOut">
               <a:rPr lang="en-US" smtClean="0"/>
-              <a:t>6/15/19</a:t>
+              <a:t>6/20/19</a:t>
             </a:fld>
             <a:endParaRPr lang="en-US"/>
           </a:p>
@@ -3335,7 +3340,7 @@
         </p:nvSpPr>
         <p:spPr>
           <a:xfrm>
-            <a:off x="3515710" y="722582"/>
+            <a:off x="3400095" y="375970"/>
             <a:ext cx="1040524" cy="1008993"/>
           </a:xfrm>
           <a:prstGeom prst="can">
@@ -3384,7 +3389,7 @@
         </p:nvSpPr>
         <p:spPr>
           <a:xfrm>
-            <a:off x="6332481" y="3605045"/>
+            <a:off x="6279929" y="2501459"/>
             <a:ext cx="2753710" cy="819807"/>
           </a:xfrm>
           <a:prstGeom prst="leftRightArrow">
@@ -3433,7 +3438,7 @@
         </p:nvSpPr>
         <p:spPr>
           <a:xfrm>
-            <a:off x="6589985" y="504497"/>
+            <a:off x="6611004" y="5047655"/>
             <a:ext cx="2238703" cy="1040524"/>
           </a:xfrm>
           <a:prstGeom prst="cloud">
@@ -3482,7 +3487,7 @@
         </p:nvSpPr>
         <p:spPr>
           <a:xfrm>
-            <a:off x="6695089" y="2012730"/>
+            <a:off x="2906109" y="4993153"/>
             <a:ext cx="2028497" cy="1124606"/>
           </a:xfrm>
           <a:prstGeom prst="rect">
@@ -3538,7 +3543,7 @@
         </p:nvSpPr>
         <p:spPr>
           <a:xfrm>
-            <a:off x="2916620" y="4653454"/>
+            <a:off x="482490" y="3056136"/>
             <a:ext cx="546538" cy="557052"/>
           </a:xfrm>
           <a:prstGeom prst="smileyFace">
@@ -3584,7 +3589,7 @@
         </p:nvSpPr>
         <p:spPr>
           <a:xfrm>
-            <a:off x="3126827" y="3933497"/>
+            <a:off x="990270" y="2575031"/>
             <a:ext cx="388883" cy="672662"/>
           </a:xfrm>
           <a:prstGeom prst="roundRect">
@@ -3630,7 +3635,7 @@
         </p:nvSpPr>
         <p:spPr>
           <a:xfrm>
-            <a:off x="6695089" y="4897811"/>
+            <a:off x="9814033" y="2349060"/>
             <a:ext cx="2028497" cy="1124606"/>
           </a:xfrm>
           <a:prstGeom prst="rect">
@@ -3679,7 +3684,7 @@
         </p:nvSpPr>
         <p:spPr>
           <a:xfrm>
-            <a:off x="2906109" y="2270233"/>
+            <a:off x="2906109" y="2349060"/>
             <a:ext cx="2028497" cy="1124606"/>
           </a:xfrm>
           <a:prstGeom prst="rect">
@@ -3730,9 +3735,9 @@
           <p:nvPr/>
         </p:nvCxnSpPr>
         <p:spPr>
-          <a:xfrm flipV="1">
-            <a:off x="3920358" y="1731575"/>
-            <a:ext cx="115614" cy="538658"/>
+          <a:xfrm flipH="1" flipV="1">
+            <a:off x="3920357" y="1384963"/>
+            <a:ext cx="1" cy="964097"/>
           </a:xfrm>
           <a:prstGeom prst="straightConnector1">
             <a:avLst/>
@@ -3767,15 +3772,16 @@
             </a:extLst>
           </p:cNvPr>
           <p:cNvCxnSpPr>
-            <a:stCxn id="15" idx="3"/>
-            <a:endCxn id="7" idx="1"/>
+            <a:cxnSpLocks/>
+            <a:stCxn id="15" idx="2"/>
+            <a:endCxn id="7" idx="0"/>
           </p:cNvCxnSpPr>
           <p:nvPr/>
         </p:nvCxnSpPr>
         <p:spPr>
-          <a:xfrm flipV="1">
-            <a:off x="4934606" y="2575033"/>
-            <a:ext cx="1760483" cy="257503"/>
+          <a:xfrm>
+            <a:off x="3920358" y="3473666"/>
+            <a:ext cx="0" cy="1519487"/>
           </a:xfrm>
           <a:prstGeom prst="straightConnector1">
             <a:avLst/>
@@ -3809,15 +3815,16 @@
             </a:extLst>
           </p:cNvPr>
           <p:cNvCxnSpPr>
-            <a:stCxn id="6" idx="1"/>
-            <a:endCxn id="7" idx="0"/>
+            <a:cxnSpLocks/>
+            <a:stCxn id="6" idx="2"/>
+            <a:endCxn id="7" idx="3"/>
           </p:cNvCxnSpPr>
           <p:nvPr/>
         </p:nvCxnSpPr>
         <p:spPr>
-          <a:xfrm>
-            <a:off x="7709337" y="1543913"/>
-            <a:ext cx="1" cy="468817"/>
+          <a:xfrm flipH="1" flipV="1">
+            <a:off x="4934606" y="5555456"/>
+            <a:ext cx="1683342" cy="12461"/>
           </a:xfrm>
           <a:prstGeom prst="straightConnector1">
             <a:avLst/>
@@ -3852,15 +3859,16 @@
             </a:extLst>
           </p:cNvPr>
           <p:cNvCxnSpPr>
-            <a:stCxn id="7" idx="2"/>
-            <a:endCxn id="5" idx="1"/>
+            <a:cxnSpLocks/>
+            <a:stCxn id="7" idx="3"/>
+            <a:endCxn id="5" idx="5"/>
           </p:cNvCxnSpPr>
           <p:nvPr/>
         </p:nvCxnSpPr>
         <p:spPr>
-          <a:xfrm flipH="1">
-            <a:off x="7709336" y="3137336"/>
-            <a:ext cx="2" cy="672661"/>
+          <a:xfrm flipV="1">
+            <a:off x="4934606" y="3116314"/>
+            <a:ext cx="2722178" cy="2439142"/>
           </a:xfrm>
           <a:prstGeom prst="straightConnector1">
             <a:avLst/>
@@ -3894,15 +3902,16 @@
             </a:extLst>
           </p:cNvPr>
           <p:cNvCxnSpPr>
-            <a:stCxn id="5" idx="5"/>
-            <a:endCxn id="11" idx="0"/>
+            <a:cxnSpLocks/>
+            <a:stCxn id="5" idx="7"/>
+            <a:endCxn id="11" idx="1"/>
           </p:cNvCxnSpPr>
           <p:nvPr/>
         </p:nvCxnSpPr>
         <p:spPr>
           <a:xfrm>
-            <a:off x="7709336" y="4219900"/>
-            <a:ext cx="2" cy="677911"/>
+            <a:off x="9033639" y="2911363"/>
+            <a:ext cx="780394" cy="0"/>
           </a:xfrm>
           <a:prstGeom prst="straightConnector1">
             <a:avLst/>
@@ -3943,9 +3952,9 @@
           <p:nvPr/>
         </p:nvCxnSpPr>
         <p:spPr>
-          <a:xfrm flipH="1" flipV="1">
-            <a:off x="4934606" y="2832536"/>
-            <a:ext cx="1397875" cy="1182413"/>
+          <a:xfrm flipH="1">
+            <a:off x="4934606" y="2911363"/>
+            <a:ext cx="1345323" cy="0"/>
           </a:xfrm>
           <a:prstGeom prst="straightConnector1">
             <a:avLst/>
@@ -3980,15 +3989,16 @@
             </a:extLst>
           </p:cNvPr>
           <p:cNvCxnSpPr>
-            <a:stCxn id="15" idx="2"/>
-            <a:endCxn id="9" idx="0"/>
+            <a:cxnSpLocks/>
+            <a:stCxn id="15" idx="1"/>
+            <a:endCxn id="9" idx="3"/>
           </p:cNvCxnSpPr>
           <p:nvPr/>
         </p:nvCxnSpPr>
         <p:spPr>
-          <a:xfrm flipH="1">
-            <a:off x="3321269" y="3394839"/>
-            <a:ext cx="599089" cy="538658"/>
+          <a:xfrm flipH="1" flipV="1">
+            <a:off x="1379153" y="2911362"/>
+            <a:ext cx="1526956" cy="1"/>
           </a:xfrm>
           <a:prstGeom prst="straightConnector1">
             <a:avLst/>
@@ -4027,7 +4037,7 @@
         </p:nvSpPr>
         <p:spPr>
           <a:xfrm>
-            <a:off x="3515710" y="3528848"/>
+            <a:off x="2119146" y="2614706"/>
             <a:ext cx="409903" cy="369332"/>
           </a:xfrm>
           <a:prstGeom prst="rect">
@@ -4097,7 +4107,7 @@
         </p:nvSpPr>
         <p:spPr>
           <a:xfrm>
-            <a:off x="5814847" y="2360141"/>
+            <a:off x="3837588" y="4299519"/>
             <a:ext cx="281153" cy="369332"/>
           </a:xfrm>
           <a:prstGeom prst="rect">
@@ -4132,7 +4142,7 @@
         </p:nvSpPr>
         <p:spPr>
           <a:xfrm>
-            <a:off x="7317431" y="1643398"/>
+            <a:off x="5873965" y="5198585"/>
             <a:ext cx="281153" cy="369332"/>
           </a:xfrm>
           <a:prstGeom prst="rect">
@@ -4167,8 +4177,8 @@
         </p:nvSpPr>
         <p:spPr>
           <a:xfrm>
-            <a:off x="7449203" y="3294836"/>
-            <a:ext cx="281153" cy="369332"/>
+            <a:off x="6316057" y="3773087"/>
+            <a:ext cx="354725" cy="369332"/>
           </a:xfrm>
           <a:prstGeom prst="rect">
             <a:avLst/>
@@ -4202,7 +4212,7 @@
         </p:nvSpPr>
         <p:spPr>
           <a:xfrm>
-            <a:off x="7375631" y="4421493"/>
+            <a:off x="9283259" y="2965330"/>
             <a:ext cx="281153" cy="369332"/>
           </a:xfrm>
           <a:prstGeom prst="rect">
@@ -4237,7 +4247,7 @@
         </p:nvSpPr>
         <p:spPr>
           <a:xfrm>
-            <a:off x="5403628" y="3334664"/>
+            <a:off x="5635700" y="3001619"/>
             <a:ext cx="281153" cy="369332"/>
           </a:xfrm>
           <a:prstGeom prst="rect">
@@ -4254,6 +4264,216 @@
             <a:r>
               <a:rPr lang="en-US" dirty="0"/>
               <a:t>7</a:t>
+            </a:r>
+          </a:p>
+        </p:txBody>
+      </p:sp>
+      <p:sp>
+        <p:nvSpPr>
+          <p:cNvPr id="56" name="Rectangle 55">
+            <a:extLst>
+              <a:ext uri="{FF2B5EF4-FFF2-40B4-BE49-F238E27FC236}">
+                <a16:creationId xmlns:a16="http://schemas.microsoft.com/office/drawing/2014/main" id="{C0DA622E-EE3F-C24D-BD5A-3F57B7187DB7}"/>
+              </a:ext>
+            </a:extLst>
+          </p:cNvPr>
+          <p:cNvSpPr/>
+          <p:nvPr/>
+        </p:nvSpPr>
+        <p:spPr>
+          <a:xfrm>
+            <a:off x="6642535" y="177938"/>
+            <a:ext cx="2028497" cy="1124606"/>
+          </a:xfrm>
+          <a:prstGeom prst="rect">
+            <a:avLst/>
+          </a:prstGeom>
+        </p:spPr>
+        <p:style>
+          <a:lnRef idx="2">
+            <a:schemeClr val="accent1">
+              <a:shade val="50000"/>
+            </a:schemeClr>
+          </a:lnRef>
+          <a:fillRef idx="1">
+            <a:schemeClr val="accent1"/>
+          </a:fillRef>
+          <a:effectRef idx="0">
+            <a:schemeClr val="accent1"/>
+          </a:effectRef>
+          <a:fontRef idx="minor">
+            <a:schemeClr val="lt1"/>
+          </a:fontRef>
+        </p:style>
+        <p:txBody>
+          <a:bodyPr rtlCol="0" anchor="ctr"/>
+          <a:lstStyle/>
+          <a:p>
+            <a:pPr algn="ctr"/>
+            <a:r>
+              <a:rPr lang="en-US" dirty="0"/>
+              <a:t>IBM Cloud Functions</a:t>
+            </a:r>
+          </a:p>
+        </p:txBody>
+      </p:sp>
+      <p:cxnSp>
+        <p:nvCxnSpPr>
+          <p:cNvPr id="42" name="Straight Arrow Connector 41">
+            <a:extLst>
+              <a:ext uri="{FF2B5EF4-FFF2-40B4-BE49-F238E27FC236}">
+                <a16:creationId xmlns:a16="http://schemas.microsoft.com/office/drawing/2014/main" id="{6E697737-15C3-2045-81DA-94EF4DE901DB}"/>
+              </a:ext>
+            </a:extLst>
+          </p:cNvPr>
+          <p:cNvCxnSpPr/>
+          <p:nvPr/>
+        </p:nvCxnSpPr>
+        <p:spPr>
+          <a:xfrm flipV="1">
+            <a:off x="4934606" y="1302544"/>
+            <a:ext cx="1707929" cy="1046516"/>
+          </a:xfrm>
+          <a:prstGeom prst="straightConnector1">
+            <a:avLst/>
+          </a:prstGeom>
+          <a:ln>
+            <a:headEnd type="triangle"/>
+            <a:tailEnd type="triangle"/>
+          </a:ln>
+        </p:spPr>
+        <p:style>
+          <a:lnRef idx="1">
+            <a:schemeClr val="accent1"/>
+          </a:lnRef>
+          <a:fillRef idx="0">
+            <a:schemeClr val="accent1"/>
+          </a:fillRef>
+          <a:effectRef idx="0">
+            <a:schemeClr val="accent1"/>
+          </a:effectRef>
+          <a:fontRef idx="minor">
+            <a:schemeClr val="tx1"/>
+          </a:fontRef>
+        </p:style>
+      </p:cxnSp>
+      <p:sp>
+        <p:nvSpPr>
+          <p:cNvPr id="44" name="TextBox 43">
+            <a:extLst>
+              <a:ext uri="{FF2B5EF4-FFF2-40B4-BE49-F238E27FC236}">
+                <a16:creationId xmlns:a16="http://schemas.microsoft.com/office/drawing/2014/main" id="{6940E521-915F-6845-8736-5625DAD66D1A}"/>
+              </a:ext>
+            </a:extLst>
+          </p:cNvPr>
+          <p:cNvSpPr txBox="1"/>
+          <p:nvPr/>
+        </p:nvSpPr>
+        <p:spPr>
+          <a:xfrm>
+            <a:off x="5635700" y="1384963"/>
+            <a:ext cx="281153" cy="369332"/>
+          </a:xfrm>
+          <a:prstGeom prst="rect">
+            <a:avLst/>
+          </a:prstGeom>
+          <a:noFill/>
+        </p:spPr>
+        <p:txBody>
+          <a:bodyPr wrap="square" rtlCol="0">
+            <a:spAutoFit/>
+          </a:bodyPr>
+          <a:lstStyle/>
+          <a:p>
+            <a:r>
+              <a:rPr lang="en-US" dirty="0"/>
+              <a:t>8</a:t>
+            </a:r>
+          </a:p>
+        </p:txBody>
+      </p:sp>
+      <p:sp>
+        <p:nvSpPr>
+          <p:cNvPr id="46" name="Rounded Rectangle 45">
+            <a:extLst>
+              <a:ext uri="{FF2B5EF4-FFF2-40B4-BE49-F238E27FC236}">
+                <a16:creationId xmlns:a16="http://schemas.microsoft.com/office/drawing/2014/main" id="{932AC074-9BB6-0346-A0A6-B54B1580D94F}"/>
+              </a:ext>
+            </a:extLst>
+          </p:cNvPr>
+          <p:cNvSpPr/>
+          <p:nvPr/>
+        </p:nvSpPr>
+        <p:spPr>
+          <a:xfrm>
+            <a:off x="2119146" y="31532"/>
+            <a:ext cx="9883668" cy="6784427"/>
+          </a:xfrm>
+          <a:prstGeom prst="roundRect">
+            <a:avLst/>
+          </a:prstGeom>
+          <a:noFill/>
+        </p:spPr>
+        <p:style>
+          <a:lnRef idx="2">
+            <a:schemeClr val="accent1">
+              <a:shade val="50000"/>
+            </a:schemeClr>
+          </a:lnRef>
+          <a:fillRef idx="1">
+            <a:schemeClr val="accent1"/>
+          </a:fillRef>
+          <a:effectRef idx="0">
+            <a:schemeClr val="accent1"/>
+          </a:effectRef>
+          <a:fontRef idx="minor">
+            <a:schemeClr val="lt1"/>
+          </a:fontRef>
+        </p:style>
+        <p:txBody>
+          <a:bodyPr rtlCol="0" anchor="ctr"/>
+          <a:lstStyle/>
+          <a:p>
+            <a:pPr algn="ctr"/>
+            <a:endParaRPr lang="en-US" dirty="0"/>
+          </a:p>
+        </p:txBody>
+      </p:sp>
+      <p:sp>
+        <p:nvSpPr>
+          <p:cNvPr id="60" name="TextBox 59">
+            <a:extLst>
+              <a:ext uri="{FF2B5EF4-FFF2-40B4-BE49-F238E27FC236}">
+                <a16:creationId xmlns:a16="http://schemas.microsoft.com/office/drawing/2014/main" id="{1F256308-DBB1-4440-8702-FD8F520BF3B6}"/>
+              </a:ext>
+            </a:extLst>
+          </p:cNvPr>
+          <p:cNvSpPr txBox="1"/>
+          <p:nvPr/>
+        </p:nvSpPr>
+        <p:spPr>
+          <a:xfrm>
+            <a:off x="10088613" y="177938"/>
+            <a:ext cx="1568670" cy="369332"/>
+          </a:xfrm>
+          <a:prstGeom prst="rect">
+            <a:avLst/>
+          </a:prstGeom>
+          <a:noFill/>
+        </p:spPr>
+        <p:txBody>
+          <a:bodyPr wrap="square" rtlCol="0">
+            <a:spAutoFit/>
+          </a:bodyPr>
+          <a:lstStyle/>
+          <a:p>
+            <a:r>
+              <a:rPr lang="en-US" dirty="0">
+                <a:solidFill>
+                  <a:schemeClr val="accent1"/>
+                </a:solidFill>
+              </a:rPr>
+              <a:t>IBM Cloud</a:t>
             </a:r>
           </a:p>
         </p:txBody>

--- a/design/Design.pptx
+++ b/design/Design.pptx
@@ -259,7 +259,7 @@
           <a:p>
             <a:fld id="{F4D45F52-4B85-444B-B170-249982F8F5EA}" type="datetimeFigureOut">
               <a:rPr lang="en-US" smtClean="0"/>
-              <a:t>6/20/19</a:t>
+              <a:t>6/25/19</a:t>
             </a:fld>
             <a:endParaRPr lang="en-US"/>
           </a:p>
@@ -457,7 +457,7 @@
           <a:p>
             <a:fld id="{F4D45F52-4B85-444B-B170-249982F8F5EA}" type="datetimeFigureOut">
               <a:rPr lang="en-US" smtClean="0"/>
-              <a:t>6/20/19</a:t>
+              <a:t>6/25/19</a:t>
             </a:fld>
             <a:endParaRPr lang="en-US"/>
           </a:p>
@@ -665,7 +665,7 @@
           <a:p>
             <a:fld id="{F4D45F52-4B85-444B-B170-249982F8F5EA}" type="datetimeFigureOut">
               <a:rPr lang="en-US" smtClean="0"/>
-              <a:t>6/20/19</a:t>
+              <a:t>6/25/19</a:t>
             </a:fld>
             <a:endParaRPr lang="en-US"/>
           </a:p>
@@ -863,7 +863,7 @@
           <a:p>
             <a:fld id="{F4D45F52-4B85-444B-B170-249982F8F5EA}" type="datetimeFigureOut">
               <a:rPr lang="en-US" smtClean="0"/>
-              <a:t>6/20/19</a:t>
+              <a:t>6/25/19</a:t>
             </a:fld>
             <a:endParaRPr lang="en-US"/>
           </a:p>
@@ -1138,7 +1138,7 @@
           <a:p>
             <a:fld id="{F4D45F52-4B85-444B-B170-249982F8F5EA}" type="datetimeFigureOut">
               <a:rPr lang="en-US" smtClean="0"/>
-              <a:t>6/20/19</a:t>
+              <a:t>6/25/19</a:t>
             </a:fld>
             <a:endParaRPr lang="en-US"/>
           </a:p>
@@ -1403,7 +1403,7 @@
           <a:p>
             <a:fld id="{F4D45F52-4B85-444B-B170-249982F8F5EA}" type="datetimeFigureOut">
               <a:rPr lang="en-US" smtClean="0"/>
-              <a:t>6/20/19</a:t>
+              <a:t>6/25/19</a:t>
             </a:fld>
             <a:endParaRPr lang="en-US"/>
           </a:p>
@@ -1815,7 +1815,7 @@
           <a:p>
             <a:fld id="{F4D45F52-4B85-444B-B170-249982F8F5EA}" type="datetimeFigureOut">
               <a:rPr lang="en-US" smtClean="0"/>
-              <a:t>6/20/19</a:t>
+              <a:t>6/25/19</a:t>
             </a:fld>
             <a:endParaRPr lang="en-US"/>
           </a:p>
@@ -1956,7 +1956,7 @@
           <a:p>
             <a:fld id="{F4D45F52-4B85-444B-B170-249982F8F5EA}" type="datetimeFigureOut">
               <a:rPr lang="en-US" smtClean="0"/>
-              <a:t>6/20/19</a:t>
+              <a:t>6/25/19</a:t>
             </a:fld>
             <a:endParaRPr lang="en-US"/>
           </a:p>
@@ -2069,7 +2069,7 @@
           <a:p>
             <a:fld id="{F4D45F52-4B85-444B-B170-249982F8F5EA}" type="datetimeFigureOut">
               <a:rPr lang="en-US" smtClean="0"/>
-              <a:t>6/20/19</a:t>
+              <a:t>6/25/19</a:t>
             </a:fld>
             <a:endParaRPr lang="en-US"/>
           </a:p>
@@ -2380,7 +2380,7 @@
           <a:p>
             <a:fld id="{F4D45F52-4B85-444B-B170-249982F8F5EA}" type="datetimeFigureOut">
               <a:rPr lang="en-US" smtClean="0"/>
-              <a:t>6/20/19</a:t>
+              <a:t>6/25/19</a:t>
             </a:fld>
             <a:endParaRPr lang="en-US"/>
           </a:p>
@@ -2668,7 +2668,7 @@
           <a:p>
             <a:fld id="{F4D45F52-4B85-444B-B170-249982F8F5EA}" type="datetimeFigureOut">
               <a:rPr lang="en-US" smtClean="0"/>
-              <a:t>6/20/19</a:t>
+              <a:t>6/25/19</a:t>
             </a:fld>
             <a:endParaRPr lang="en-US"/>
           </a:p>
@@ -2909,7 +2909,7 @@
           <a:p>
             <a:fld id="{F4D45F52-4B85-444B-B170-249982F8F5EA}" type="datetimeFigureOut">
               <a:rPr lang="en-US" smtClean="0"/>
-              <a:t>6/20/19</a:t>
+              <a:t>6/25/19</a:t>
             </a:fld>
             <a:endParaRPr lang="en-US"/>
           </a:p>
@@ -3328,10 +3328,10 @@
       </p:grpSpPr>
       <p:sp>
         <p:nvSpPr>
-          <p:cNvPr id="4" name="Can 3">
-            <a:extLst>
-              <a:ext uri="{FF2B5EF4-FFF2-40B4-BE49-F238E27FC236}">
-                <a16:creationId xmlns:a16="http://schemas.microsoft.com/office/drawing/2014/main" id="{F79FE459-F2AF-B249-81F0-FA58B0F055B7}"/>
+          <p:cNvPr id="7" name="Rectangle 6">
+            <a:extLst>
+              <a:ext uri="{FF2B5EF4-FFF2-40B4-BE49-F238E27FC236}">
+                <a16:creationId xmlns:a16="http://schemas.microsoft.com/office/drawing/2014/main" id="{D9AE9476-F8C8-FF47-9346-D15E7E97BA11}"/>
               </a:ext>
             </a:extLst>
           </p:cNvPr>
@@ -3340,12 +3340,13 @@
         </p:nvSpPr>
         <p:spPr>
           <a:xfrm>
-            <a:off x="3400095" y="375970"/>
-            <a:ext cx="1040524" cy="1008993"/>
-          </a:xfrm>
-          <a:prstGeom prst="can">
+            <a:off x="3042041" y="5465214"/>
+            <a:ext cx="1622797" cy="899686"/>
+          </a:xfrm>
+          <a:prstGeom prst="rect">
             <a:avLst/>
           </a:prstGeom>
+          <a:noFill/>
         </p:spPr>
         <p:style>
           <a:lnRef idx="2">
@@ -3369,18 +3370,37 @@
           <a:p>
             <a:pPr algn="ctr"/>
             <a:r>
-              <a:rPr lang="en-US" dirty="0"/>
-              <a:t>Cloudant</a:t>
-            </a:r>
-          </a:p>
-        </p:txBody>
-      </p:sp>
-      <p:sp>
-        <p:nvSpPr>
-          <p:cNvPr id="5" name="Left-Right Arrow 4">
-            <a:extLst>
-              <a:ext uri="{FF2B5EF4-FFF2-40B4-BE49-F238E27FC236}">
-                <a16:creationId xmlns:a16="http://schemas.microsoft.com/office/drawing/2014/main" id="{7C14BFA6-A622-0944-BD40-93E4524AF8FF}"/>
+              <a:rPr lang="en-US" dirty="0">
+                <a:solidFill>
+                  <a:schemeClr val="accent1"/>
+                </a:solidFill>
+              </a:rPr>
+              <a:t>Kafka Connect</a:t>
+            </a:r>
+            <a:br>
+              <a:rPr lang="en-US" dirty="0">
+                <a:solidFill>
+                  <a:schemeClr val="accent1"/>
+                </a:solidFill>
+              </a:rPr>
+            </a:br>
+            <a:r>
+              <a:rPr lang="en-US" dirty="0">
+                <a:solidFill>
+                  <a:schemeClr val="accent1"/>
+                </a:solidFill>
+              </a:rPr>
+              <a:t>Weather Connector</a:t>
+            </a:r>
+          </a:p>
+        </p:txBody>
+      </p:sp>
+      <p:sp>
+        <p:nvSpPr>
+          <p:cNvPr id="8" name="Smiley Face 7">
+            <a:extLst>
+              <a:ext uri="{FF2B5EF4-FFF2-40B4-BE49-F238E27FC236}">
+                <a16:creationId xmlns:a16="http://schemas.microsoft.com/office/drawing/2014/main" id="{529D6575-8451-484A-9717-92533155C3EA}"/>
               </a:ext>
             </a:extLst>
           </p:cNvPr>
@@ -3389,12 +3409,13 @@
         </p:nvSpPr>
         <p:spPr>
           <a:xfrm>
-            <a:off x="6279929" y="2501459"/>
-            <a:ext cx="2753710" cy="819807"/>
-          </a:xfrm>
-          <a:prstGeom prst="leftRightArrow">
+            <a:off x="1235504" y="3957685"/>
+            <a:ext cx="437232" cy="445640"/>
+          </a:xfrm>
+          <a:prstGeom prst="smileyFace">
             <a:avLst/>
           </a:prstGeom>
+          <a:noFill/>
         </p:spPr>
         <p:style>
           <a:lnRef idx="2">
@@ -3417,19 +3438,16 @@
           <a:lstStyle/>
           <a:p>
             <a:pPr algn="ctr"/>
-            <a:r>
-              <a:rPr lang="en-US" dirty="0"/>
-              <a:t>Event Streams</a:t>
-            </a:r>
-          </a:p>
-        </p:txBody>
-      </p:sp>
-      <p:sp>
-        <p:nvSpPr>
-          <p:cNvPr id="6" name="Cloud 5">
-            <a:extLst>
-              <a:ext uri="{FF2B5EF4-FFF2-40B4-BE49-F238E27FC236}">
-                <a16:creationId xmlns:a16="http://schemas.microsoft.com/office/drawing/2014/main" id="{93E70D89-5D57-6848-800C-33F34FB876AB}"/>
+            <a:endParaRPr lang="en-US"/>
+          </a:p>
+        </p:txBody>
+      </p:sp>
+      <p:sp>
+        <p:nvSpPr>
+          <p:cNvPr id="15" name="Rectangle 14">
+            <a:extLst>
+              <a:ext uri="{FF2B5EF4-FFF2-40B4-BE49-F238E27FC236}">
+                <a16:creationId xmlns:a16="http://schemas.microsoft.com/office/drawing/2014/main" id="{50B41C1B-D4C6-F74E-9096-1CE794134F60}"/>
               </a:ext>
             </a:extLst>
           </p:cNvPr>
@@ -3438,12 +3456,13 @@
         </p:nvSpPr>
         <p:spPr>
           <a:xfrm>
-            <a:off x="6611004" y="5047655"/>
-            <a:ext cx="2238703" cy="1040524"/>
-          </a:xfrm>
-          <a:prstGeom prst="cloud">
+            <a:off x="3042041" y="3051907"/>
+            <a:ext cx="1622797" cy="899686"/>
+          </a:xfrm>
+          <a:prstGeom prst="rect">
             <a:avLst/>
           </a:prstGeom>
+          <a:noFill/>
         </p:spPr>
         <p:style>
           <a:lnRef idx="2">
@@ -3467,253 +3486,11 @@
           <a:p>
             <a:pPr algn="ctr"/>
             <a:r>
-              <a:rPr lang="en-US" dirty="0"/>
-              <a:t>Weather Service</a:t>
-            </a:r>
-          </a:p>
-        </p:txBody>
-      </p:sp>
-      <p:sp>
-        <p:nvSpPr>
-          <p:cNvPr id="7" name="Rectangle 6">
-            <a:extLst>
-              <a:ext uri="{FF2B5EF4-FFF2-40B4-BE49-F238E27FC236}">
-                <a16:creationId xmlns:a16="http://schemas.microsoft.com/office/drawing/2014/main" id="{D9AE9476-F8C8-FF47-9346-D15E7E97BA11}"/>
-              </a:ext>
-            </a:extLst>
-          </p:cNvPr>
-          <p:cNvSpPr/>
-          <p:nvPr/>
-        </p:nvSpPr>
-        <p:spPr>
-          <a:xfrm>
-            <a:off x="2906109" y="4993153"/>
-            <a:ext cx="2028497" cy="1124606"/>
-          </a:xfrm>
-          <a:prstGeom prst="rect">
-            <a:avLst/>
-          </a:prstGeom>
-        </p:spPr>
-        <p:style>
-          <a:lnRef idx="2">
-            <a:schemeClr val="accent1">
-              <a:shade val="50000"/>
-            </a:schemeClr>
-          </a:lnRef>
-          <a:fillRef idx="1">
-            <a:schemeClr val="accent1"/>
-          </a:fillRef>
-          <a:effectRef idx="0">
-            <a:schemeClr val="accent1"/>
-          </a:effectRef>
-          <a:fontRef idx="minor">
-            <a:schemeClr val="lt1"/>
-          </a:fontRef>
-        </p:style>
-        <p:txBody>
-          <a:bodyPr rtlCol="0" anchor="ctr"/>
-          <a:lstStyle/>
-          <a:p>
-            <a:pPr algn="ctr"/>
-            <a:r>
-              <a:rPr lang="en-US" dirty="0"/>
-              <a:t>Kafka Connect</a:t>
-            </a:r>
-            <a:br>
-              <a:rPr lang="en-US" dirty="0"/>
-            </a:br>
-            <a:r>
-              <a:rPr lang="en-US" dirty="0"/>
-              <a:t>Weather Connector</a:t>
-            </a:r>
-          </a:p>
-        </p:txBody>
-      </p:sp>
-      <p:sp>
-        <p:nvSpPr>
-          <p:cNvPr id="8" name="Smiley Face 7">
-            <a:extLst>
-              <a:ext uri="{FF2B5EF4-FFF2-40B4-BE49-F238E27FC236}">
-                <a16:creationId xmlns:a16="http://schemas.microsoft.com/office/drawing/2014/main" id="{529D6575-8451-484A-9717-92533155C3EA}"/>
-              </a:ext>
-            </a:extLst>
-          </p:cNvPr>
-          <p:cNvSpPr/>
-          <p:nvPr/>
-        </p:nvSpPr>
-        <p:spPr>
-          <a:xfrm>
-            <a:off x="482490" y="3056136"/>
-            <a:ext cx="546538" cy="557052"/>
-          </a:xfrm>
-          <a:prstGeom prst="smileyFace">
-            <a:avLst/>
-          </a:prstGeom>
-        </p:spPr>
-        <p:style>
-          <a:lnRef idx="2">
-            <a:schemeClr val="accent1">
-              <a:shade val="50000"/>
-            </a:schemeClr>
-          </a:lnRef>
-          <a:fillRef idx="1">
-            <a:schemeClr val="accent1"/>
-          </a:fillRef>
-          <a:effectRef idx="0">
-            <a:schemeClr val="accent1"/>
-          </a:effectRef>
-          <a:fontRef idx="minor">
-            <a:schemeClr val="lt1"/>
-          </a:fontRef>
-        </p:style>
-        <p:txBody>
-          <a:bodyPr rtlCol="0" anchor="ctr"/>
-          <a:lstStyle/>
-          <a:p>
-            <a:pPr algn="ctr"/>
-            <a:endParaRPr lang="en-US"/>
-          </a:p>
-        </p:txBody>
-      </p:sp>
-      <p:sp>
-        <p:nvSpPr>
-          <p:cNvPr id="9" name="Rounded Rectangle 8">
-            <a:extLst>
-              <a:ext uri="{FF2B5EF4-FFF2-40B4-BE49-F238E27FC236}">
-                <a16:creationId xmlns:a16="http://schemas.microsoft.com/office/drawing/2014/main" id="{1849100A-4E8E-0748-815E-E23A0B1A1084}"/>
-              </a:ext>
-            </a:extLst>
-          </p:cNvPr>
-          <p:cNvSpPr/>
-          <p:nvPr/>
-        </p:nvSpPr>
-        <p:spPr>
-          <a:xfrm>
-            <a:off x="990270" y="2575031"/>
-            <a:ext cx="388883" cy="672662"/>
-          </a:xfrm>
-          <a:prstGeom prst="roundRect">
-            <a:avLst/>
-          </a:prstGeom>
-        </p:spPr>
-        <p:style>
-          <a:lnRef idx="2">
-            <a:schemeClr val="accent1">
-              <a:shade val="50000"/>
-            </a:schemeClr>
-          </a:lnRef>
-          <a:fillRef idx="1">
-            <a:schemeClr val="accent1"/>
-          </a:fillRef>
-          <a:effectRef idx="0">
-            <a:schemeClr val="accent1"/>
-          </a:effectRef>
-          <a:fontRef idx="minor">
-            <a:schemeClr val="lt1"/>
-          </a:fontRef>
-        </p:style>
-        <p:txBody>
-          <a:bodyPr rtlCol="0" anchor="ctr"/>
-          <a:lstStyle/>
-          <a:p>
-            <a:pPr algn="ctr"/>
-            <a:endParaRPr lang="en-US"/>
-          </a:p>
-        </p:txBody>
-      </p:sp>
-      <p:sp>
-        <p:nvSpPr>
-          <p:cNvPr id="11" name="Rectangle 10">
-            <a:extLst>
-              <a:ext uri="{FF2B5EF4-FFF2-40B4-BE49-F238E27FC236}">
-                <a16:creationId xmlns:a16="http://schemas.microsoft.com/office/drawing/2014/main" id="{35A9BCA0-5B5E-534C-BE56-42C3A45C0D7A}"/>
-              </a:ext>
-            </a:extLst>
-          </p:cNvPr>
-          <p:cNvSpPr/>
-          <p:nvPr/>
-        </p:nvSpPr>
-        <p:spPr>
-          <a:xfrm>
-            <a:off x="9814033" y="2349060"/>
-            <a:ext cx="2028497" cy="1124606"/>
-          </a:xfrm>
-          <a:prstGeom prst="rect">
-            <a:avLst/>
-          </a:prstGeom>
-        </p:spPr>
-        <p:style>
-          <a:lnRef idx="2">
-            <a:schemeClr val="accent1">
-              <a:shade val="50000"/>
-            </a:schemeClr>
-          </a:lnRef>
-          <a:fillRef idx="1">
-            <a:schemeClr val="accent1"/>
-          </a:fillRef>
-          <a:effectRef idx="0">
-            <a:schemeClr val="accent1"/>
-          </a:effectRef>
-          <a:fontRef idx="minor">
-            <a:schemeClr val="lt1"/>
-          </a:fontRef>
-        </p:style>
-        <p:txBody>
-          <a:bodyPr rtlCol="0" anchor="ctr"/>
-          <a:lstStyle/>
-          <a:p>
-            <a:pPr algn="ctr"/>
-            <a:r>
-              <a:rPr lang="en-US" dirty="0"/>
-              <a:t>IBM Streams</a:t>
-            </a:r>
-          </a:p>
-        </p:txBody>
-      </p:sp>
-      <p:sp>
-        <p:nvSpPr>
-          <p:cNvPr id="15" name="Rectangle 14">
-            <a:extLst>
-              <a:ext uri="{FF2B5EF4-FFF2-40B4-BE49-F238E27FC236}">
-                <a16:creationId xmlns:a16="http://schemas.microsoft.com/office/drawing/2014/main" id="{50B41C1B-D4C6-F74E-9096-1CE794134F60}"/>
-              </a:ext>
-            </a:extLst>
-          </p:cNvPr>
-          <p:cNvSpPr/>
-          <p:nvPr/>
-        </p:nvSpPr>
-        <p:spPr>
-          <a:xfrm>
-            <a:off x="2906109" y="2349060"/>
-            <a:ext cx="2028497" cy="1124606"/>
-          </a:xfrm>
-          <a:prstGeom prst="rect">
-            <a:avLst/>
-          </a:prstGeom>
-        </p:spPr>
-        <p:style>
-          <a:lnRef idx="2">
-            <a:schemeClr val="accent1">
-              <a:shade val="50000"/>
-            </a:schemeClr>
-          </a:lnRef>
-          <a:fillRef idx="1">
-            <a:schemeClr val="accent1"/>
-          </a:fillRef>
-          <a:effectRef idx="0">
-            <a:schemeClr val="accent1"/>
-          </a:effectRef>
-          <a:fontRef idx="minor">
-            <a:schemeClr val="lt1"/>
-          </a:fontRef>
-        </p:style>
-        <p:txBody>
-          <a:bodyPr rtlCol="0" anchor="ctr"/>
-          <a:lstStyle/>
-          <a:p>
-            <a:pPr algn="ctr"/>
-            <a:r>
-              <a:rPr lang="en-US" dirty="0"/>
+              <a:rPr lang="en-US" dirty="0">
+                <a:solidFill>
+                  <a:schemeClr val="accent1"/>
+                </a:solidFill>
+              </a:rPr>
               <a:t>PDA Server</a:t>
             </a:r>
           </a:p>
@@ -3729,15 +3506,16 @@
             </a:extLst>
           </p:cNvPr>
           <p:cNvCxnSpPr>
+            <a:cxnSpLocks/>
             <a:stCxn id="15" idx="0"/>
-            <a:endCxn id="4" idx="3"/>
+            <a:endCxn id="79" idx="2"/>
           </p:cNvCxnSpPr>
           <p:nvPr/>
         </p:nvCxnSpPr>
         <p:spPr>
-          <a:xfrm flipH="1" flipV="1">
-            <a:off x="3920357" y="1384963"/>
-            <a:ext cx="1" cy="964097"/>
+          <a:xfrm flipV="1">
+            <a:off x="3853440" y="1691201"/>
+            <a:ext cx="18079" cy="1360706"/>
           </a:xfrm>
           <a:prstGeom prst="straightConnector1">
             <a:avLst/>
@@ -3780,8 +3558,8 @@
         </p:nvCxnSpPr>
         <p:spPr>
           <a:xfrm>
-            <a:off x="3920358" y="3473666"/>
-            <a:ext cx="0" cy="1519487"/>
+            <a:off x="3853440" y="3951593"/>
+            <a:ext cx="0" cy="1513621"/>
           </a:xfrm>
           <a:prstGeom prst="straightConnector1">
             <a:avLst/>
@@ -3816,15 +3594,15 @@
           </p:cNvPr>
           <p:cNvCxnSpPr>
             <a:cxnSpLocks/>
-            <a:stCxn id="6" idx="2"/>
+            <a:stCxn id="61" idx="1"/>
             <a:endCxn id="7" idx="3"/>
           </p:cNvCxnSpPr>
           <p:nvPr/>
         </p:nvCxnSpPr>
         <p:spPr>
-          <a:xfrm flipH="1" flipV="1">
-            <a:off x="4934606" y="5555456"/>
-            <a:ext cx="1683342" cy="12461"/>
+          <a:xfrm flipH="1">
+            <a:off x="4664838" y="5901435"/>
+            <a:ext cx="2145942" cy="13622"/>
           </a:xfrm>
           <a:prstGeom prst="straightConnector1">
             <a:avLst/>
@@ -3861,14 +3639,14 @@
           <p:cNvCxnSpPr>
             <a:cxnSpLocks/>
             <a:stCxn id="7" idx="3"/>
-            <a:endCxn id="5" idx="5"/>
+            <a:endCxn id="21" idx="2"/>
           </p:cNvCxnSpPr>
           <p:nvPr/>
         </p:nvCxnSpPr>
         <p:spPr>
           <a:xfrm flipV="1">
-            <a:off x="4934606" y="3116314"/>
-            <a:ext cx="2722178" cy="2439142"/>
+            <a:off x="4664838" y="4196680"/>
+            <a:ext cx="2644247" cy="1718377"/>
           </a:xfrm>
           <a:prstGeom prst="straightConnector1">
             <a:avLst/>
@@ -3903,15 +3681,15 @@
           </p:cNvPr>
           <p:cNvCxnSpPr>
             <a:cxnSpLocks/>
-            <a:stCxn id="5" idx="7"/>
-            <a:endCxn id="11" idx="1"/>
+            <a:stCxn id="21" idx="3"/>
+            <a:endCxn id="58" idx="1"/>
           </p:cNvCxnSpPr>
           <p:nvPr/>
         </p:nvCxnSpPr>
         <p:spPr>
-          <a:xfrm>
-            <a:off x="9033639" y="2911363"/>
-            <a:ext cx="780394" cy="0"/>
+          <a:xfrm flipV="1">
+            <a:off x="8566061" y="3499702"/>
+            <a:ext cx="776770" cy="1231"/>
           </a:xfrm>
           <a:prstGeom prst="straightConnector1">
             <a:avLst/>
@@ -3946,15 +3724,16 @@
             </a:extLst>
           </p:cNvPr>
           <p:cNvCxnSpPr>
-            <a:stCxn id="5" idx="3"/>
+            <a:cxnSpLocks/>
+            <a:stCxn id="21" idx="1"/>
             <a:endCxn id="15" idx="3"/>
           </p:cNvCxnSpPr>
           <p:nvPr/>
         </p:nvCxnSpPr>
         <p:spPr>
           <a:xfrm flipH="1">
-            <a:off x="4934606" y="2911363"/>
-            <a:ext cx="1345323" cy="0"/>
+            <a:off x="4664838" y="3500933"/>
+            <a:ext cx="1387270" cy="817"/>
           </a:xfrm>
           <a:prstGeom prst="straightConnector1">
             <a:avLst/>
@@ -3991,14 +3770,14 @@
           <p:cNvCxnSpPr>
             <a:cxnSpLocks/>
             <a:stCxn id="15" idx="1"/>
-            <a:endCxn id="9" idx="3"/>
+            <a:endCxn id="85" idx="3"/>
           </p:cNvCxnSpPr>
           <p:nvPr/>
         </p:nvCxnSpPr>
         <p:spPr>
           <a:xfrm flipH="1" flipV="1">
-            <a:off x="1379153" y="2911362"/>
-            <a:ext cx="1526956" cy="1"/>
+            <a:off x="1319019" y="3482434"/>
+            <a:ext cx="1723022" cy="19316"/>
           </a:xfrm>
           <a:prstGeom prst="straightConnector1">
             <a:avLst/>
@@ -4037,8 +3816,8 @@
         </p:nvSpPr>
         <p:spPr>
           <a:xfrm>
-            <a:off x="2119146" y="2614706"/>
-            <a:ext cx="409903" cy="369332"/>
+            <a:off x="2255078" y="3244908"/>
+            <a:ext cx="327923" cy="295468"/>
           </a:xfrm>
           <a:prstGeom prst="rect">
             <a:avLst/>
@@ -4072,8 +3851,8 @@
         </p:nvSpPr>
         <p:spPr>
           <a:xfrm>
-            <a:off x="3515710" y="1778321"/>
-            <a:ext cx="404647" cy="369332"/>
+            <a:off x="3651639" y="2408523"/>
+            <a:ext cx="323720" cy="295468"/>
           </a:xfrm>
           <a:prstGeom prst="rect">
             <a:avLst/>
@@ -4107,8 +3886,8 @@
         </p:nvSpPr>
         <p:spPr>
           <a:xfrm>
-            <a:off x="3837588" y="4299519"/>
-            <a:ext cx="281153" cy="369332"/>
+            <a:off x="3973517" y="4929721"/>
+            <a:ext cx="224920" cy="295468"/>
           </a:xfrm>
           <a:prstGeom prst="rect">
             <a:avLst/>
@@ -4142,8 +3921,8 @@
         </p:nvSpPr>
         <p:spPr>
           <a:xfrm>
-            <a:off x="5873965" y="5198585"/>
-            <a:ext cx="281153" cy="369332"/>
+            <a:off x="6009894" y="5828787"/>
+            <a:ext cx="224920" cy="295468"/>
           </a:xfrm>
           <a:prstGeom prst="rect">
             <a:avLst/>
@@ -4177,8 +3956,8 @@
         </p:nvSpPr>
         <p:spPr>
           <a:xfrm>
-            <a:off x="6316057" y="3773087"/>
-            <a:ext cx="354725" cy="369332"/>
+            <a:off x="5896872" y="4649897"/>
+            <a:ext cx="283780" cy="295468"/>
           </a:xfrm>
           <a:prstGeom prst="rect">
             <a:avLst/>
@@ -4212,8 +3991,8 @@
         </p:nvSpPr>
         <p:spPr>
           <a:xfrm>
-            <a:off x="9283259" y="2965330"/>
-            <a:ext cx="281153" cy="369332"/>
+            <a:off x="9419188" y="3719102"/>
+            <a:ext cx="224920" cy="295468"/>
           </a:xfrm>
           <a:prstGeom prst="rect">
             <a:avLst/>
@@ -4247,8 +4026,8 @@
         </p:nvSpPr>
         <p:spPr>
           <a:xfrm>
-            <a:off x="5635700" y="3001619"/>
-            <a:ext cx="281153" cy="369332"/>
+            <a:off x="5771629" y="3631821"/>
+            <a:ext cx="224920" cy="295468"/>
           </a:xfrm>
           <a:prstGeom prst="rect">
             <a:avLst/>
@@ -4268,26 +4047,113 @@
           </a:p>
         </p:txBody>
       </p:sp>
-      <p:sp>
-        <p:nvSpPr>
-          <p:cNvPr id="56" name="Rectangle 55">
-            <a:extLst>
-              <a:ext uri="{FF2B5EF4-FFF2-40B4-BE49-F238E27FC236}">
-                <a16:creationId xmlns:a16="http://schemas.microsoft.com/office/drawing/2014/main" id="{C0DA622E-EE3F-C24D-BD5A-3F57B7187DB7}"/>
-              </a:ext>
-            </a:extLst>
-          </p:cNvPr>
-          <p:cNvSpPr/>
+      <p:cxnSp>
+        <p:nvCxnSpPr>
+          <p:cNvPr id="42" name="Straight Arrow Connector 41">
+            <a:extLst>
+              <a:ext uri="{FF2B5EF4-FFF2-40B4-BE49-F238E27FC236}">
+                <a16:creationId xmlns:a16="http://schemas.microsoft.com/office/drawing/2014/main" id="{6E697737-15C3-2045-81DA-94EF4DE901DB}"/>
+              </a:ext>
+            </a:extLst>
+          </p:cNvPr>
+          <p:cNvCxnSpPr>
+            <a:cxnSpLocks/>
+            <a:endCxn id="48" idx="1"/>
+          </p:cNvCxnSpPr>
           <p:nvPr/>
-        </p:nvSpPr>
-        <p:spPr>
-          <a:xfrm>
-            <a:off x="6642535" y="177938"/>
-            <a:ext cx="2028497" cy="1124606"/>
+        </p:nvCxnSpPr>
+        <p:spPr>
+          <a:xfrm flipV="1">
+            <a:off x="4664838" y="1219788"/>
+            <a:ext cx="1338631" cy="1759471"/>
+          </a:xfrm>
+          <a:prstGeom prst="straightConnector1">
+            <a:avLst/>
+          </a:prstGeom>
+          <a:ln>
+            <a:headEnd type="triangle"/>
+            <a:tailEnd type="triangle"/>
+          </a:ln>
+        </p:spPr>
+        <p:style>
+          <a:lnRef idx="1">
+            <a:schemeClr val="accent1"/>
+          </a:lnRef>
+          <a:fillRef idx="0">
+            <a:schemeClr val="accent1"/>
+          </a:fillRef>
+          <a:effectRef idx="0">
+            <a:schemeClr val="accent1"/>
+          </a:effectRef>
+          <a:fontRef idx="minor">
+            <a:schemeClr val="tx1"/>
+          </a:fontRef>
+        </p:style>
+      </p:cxnSp>
+      <p:sp>
+        <p:nvSpPr>
+          <p:cNvPr id="44" name="TextBox 43">
+            <a:extLst>
+              <a:ext uri="{FF2B5EF4-FFF2-40B4-BE49-F238E27FC236}">
+                <a16:creationId xmlns:a16="http://schemas.microsoft.com/office/drawing/2014/main" id="{6940E521-915F-6845-8736-5625DAD66D1A}"/>
+              </a:ext>
+            </a:extLst>
+          </p:cNvPr>
+          <p:cNvSpPr txBox="1"/>
+          <p:nvPr/>
+        </p:nvSpPr>
+        <p:spPr>
+          <a:xfrm>
+            <a:off x="5771629" y="2015165"/>
+            <a:ext cx="224920" cy="295468"/>
           </a:xfrm>
           <a:prstGeom prst="rect">
             <a:avLst/>
           </a:prstGeom>
+          <a:noFill/>
+        </p:spPr>
+        <p:txBody>
+          <a:bodyPr wrap="square" rtlCol="0">
+            <a:spAutoFit/>
+          </a:bodyPr>
+          <a:lstStyle/>
+          <a:p>
+            <a:r>
+              <a:rPr lang="en-US" dirty="0"/>
+              <a:t>8</a:t>
+            </a:r>
+          </a:p>
+        </p:txBody>
+      </p:sp>
+      <p:sp>
+        <p:nvSpPr>
+          <p:cNvPr id="46" name="Rounded Rectangle 45">
+            <a:extLst>
+              <a:ext uri="{FF2B5EF4-FFF2-40B4-BE49-F238E27FC236}">
+                <a16:creationId xmlns:a16="http://schemas.microsoft.com/office/drawing/2014/main" id="{932AC074-9BB6-0346-A0A6-B54B1580D94F}"/>
+              </a:ext>
+            </a:extLst>
+          </p:cNvPr>
+          <p:cNvSpPr/>
+          <p:nvPr/>
+        </p:nvSpPr>
+        <p:spPr>
+          <a:xfrm>
+            <a:off x="2242035" y="250315"/>
+            <a:ext cx="9768733" cy="6521186"/>
+          </a:xfrm>
+          <a:prstGeom prst="roundRect">
+            <a:avLst/>
+          </a:prstGeom>
+          <a:noFill/>
+          <a:ln w="25400">
+            <a:solidFill>
+              <a:schemeClr val="accent1">
+                <a:shade val="50000"/>
+              </a:schemeClr>
+            </a:solidFill>
+            <a:prstDash val="dash"/>
+          </a:ln>
         </p:spPr>
         <p:style>
           <a:lnRef idx="2">
@@ -4310,59 +4176,104 @@
           <a:lstStyle/>
           <a:p>
             <a:pPr algn="ctr"/>
-            <a:r>
-              <a:rPr lang="en-US" dirty="0"/>
-              <a:t>IBM Cloud Functions</a:t>
-            </a:r>
-          </a:p>
-        </p:txBody>
-      </p:sp>
-      <p:cxnSp>
-        <p:nvCxnSpPr>
-          <p:cNvPr id="42" name="Straight Arrow Connector 41">
-            <a:extLst>
-              <a:ext uri="{FF2B5EF4-FFF2-40B4-BE49-F238E27FC236}">
-                <a16:creationId xmlns:a16="http://schemas.microsoft.com/office/drawing/2014/main" id="{6E697737-15C3-2045-81DA-94EF4DE901DB}"/>
-              </a:ext>
-            </a:extLst>
-          </p:cNvPr>
-          <p:cNvCxnSpPr/>
+            <a:endParaRPr lang="en-US" dirty="0"/>
+          </a:p>
+        </p:txBody>
+      </p:sp>
+      <p:pic>
+        <p:nvPicPr>
+          <p:cNvPr id="12" name="Picture 11">
+            <a:extLst>
+              <a:ext uri="{FF2B5EF4-FFF2-40B4-BE49-F238E27FC236}">
+                <a16:creationId xmlns:a16="http://schemas.microsoft.com/office/drawing/2014/main" id="{E0C26A2E-9BDE-0142-BFE0-C8A63CBD9535}"/>
+              </a:ext>
+            </a:extLst>
+          </p:cNvPr>
+          <p:cNvPicPr>
+            <a:picLocks noChangeAspect="1"/>
+          </p:cNvPicPr>
           <p:nvPr/>
-        </p:nvCxnSpPr>
-        <p:spPr>
-          <a:xfrm flipV="1">
-            <a:off x="4934606" y="1302544"/>
-            <a:ext cx="1707929" cy="1046516"/>
-          </a:xfrm>
-          <a:prstGeom prst="straightConnector1">
+        </p:nvPicPr>
+        <p:blipFill rotWithShape="1">
+          <a:blip r:embed="rId2"/>
+          <a:srcRect t="29414" b="19007"/>
+          <a:stretch/>
+        </p:blipFill>
+        <p:spPr>
+          <a:xfrm>
+            <a:off x="9342831" y="508535"/>
+            <a:ext cx="2184278" cy="619271"/>
+          </a:xfrm>
+          <a:prstGeom prst="rect">
             <a:avLst/>
           </a:prstGeom>
-          <a:ln>
-            <a:headEnd type="triangle"/>
-            <a:tailEnd type="triangle"/>
-          </a:ln>
-        </p:spPr>
-        <p:style>
-          <a:lnRef idx="1">
-            <a:schemeClr val="accent1"/>
-          </a:lnRef>
-          <a:fillRef idx="0">
-            <a:schemeClr val="accent1"/>
-          </a:fillRef>
-          <a:effectRef idx="0">
-            <a:schemeClr val="accent1"/>
-          </a:effectRef>
-          <a:fontRef idx="minor">
-            <a:schemeClr val="tx1"/>
-          </a:fontRef>
-        </p:style>
-      </p:cxnSp>
-      <p:sp>
-        <p:nvSpPr>
-          <p:cNvPr id="44" name="TextBox 43">
-            <a:extLst>
-              <a:ext uri="{FF2B5EF4-FFF2-40B4-BE49-F238E27FC236}">
-                <a16:creationId xmlns:a16="http://schemas.microsoft.com/office/drawing/2014/main" id="{6940E521-915F-6845-8736-5625DAD66D1A}"/>
+        </p:spPr>
+      </p:pic>
+      <p:pic>
+        <p:nvPicPr>
+          <p:cNvPr id="16" name="Picture 15">
+            <a:extLst>
+              <a:ext uri="{FF2B5EF4-FFF2-40B4-BE49-F238E27FC236}">
+                <a16:creationId xmlns:a16="http://schemas.microsoft.com/office/drawing/2014/main" id="{8AE2E1B6-B67F-9349-8EB2-687750418DDC}"/>
+              </a:ext>
+            </a:extLst>
+          </p:cNvPr>
+          <p:cNvPicPr>
+            <a:picLocks noChangeAspect="1"/>
+          </p:cNvPicPr>
+          <p:nvPr/>
+        </p:nvPicPr>
+        <p:blipFill rotWithShape="1">
+          <a:blip r:embed="rId3"/>
+          <a:srcRect t="33172" b="37875"/>
+          <a:stretch/>
+        </p:blipFill>
+        <p:spPr>
+          <a:xfrm>
+            <a:off x="2940800" y="973879"/>
+            <a:ext cx="1861436" cy="445003"/>
+          </a:xfrm>
+          <a:prstGeom prst="rect">
+            <a:avLst/>
+          </a:prstGeom>
+        </p:spPr>
+      </p:pic>
+      <p:pic>
+        <p:nvPicPr>
+          <p:cNvPr id="19" name="Picture 18">
+            <a:extLst>
+              <a:ext uri="{FF2B5EF4-FFF2-40B4-BE49-F238E27FC236}">
+                <a16:creationId xmlns:a16="http://schemas.microsoft.com/office/drawing/2014/main" id="{F96467A3-62F6-4742-AD40-5CBE3071A620}"/>
+              </a:ext>
+            </a:extLst>
+          </p:cNvPr>
+          <p:cNvPicPr>
+            <a:picLocks noChangeAspect="1"/>
+          </p:cNvPicPr>
+          <p:nvPr/>
+        </p:nvPicPr>
+        <p:blipFill>
+          <a:blip r:embed="rId4"/>
+          <a:stretch>
+            <a:fillRect/>
+          </a:stretch>
+        </p:blipFill>
+        <p:spPr>
+          <a:xfrm>
+            <a:off x="6065254" y="2942291"/>
+            <a:ext cx="1036080" cy="1080286"/>
+          </a:xfrm>
+          <a:prstGeom prst="rect">
+            <a:avLst/>
+          </a:prstGeom>
+        </p:spPr>
+      </p:pic>
+      <p:sp>
+        <p:nvSpPr>
+          <p:cNvPr id="20" name="TextBox 19">
+            <a:extLst>
+              <a:ext uri="{FF2B5EF4-FFF2-40B4-BE49-F238E27FC236}">
+                <a16:creationId xmlns:a16="http://schemas.microsoft.com/office/drawing/2014/main" id="{A149C66D-0EC5-8446-8040-B4C6AB8BB578}"/>
               </a:ext>
             </a:extLst>
           </p:cNvPr>
@@ -4371,8 +4282,8 @@
         </p:nvSpPr>
         <p:spPr>
           <a:xfrm>
-            <a:off x="5635700" y="1384963"/>
-            <a:ext cx="281153" cy="369332"/>
+            <a:off x="7004815" y="3302819"/>
+            <a:ext cx="2027708" cy="369332"/>
           </a:xfrm>
           <a:prstGeom prst="rect">
             <a:avLst/>
@@ -4387,17 +4298,17 @@
           <a:p>
             <a:r>
               <a:rPr lang="en-US" dirty="0"/>
-              <a:t>8</a:t>
-            </a:r>
-          </a:p>
-        </p:txBody>
-      </p:sp>
-      <p:sp>
-        <p:nvSpPr>
-          <p:cNvPr id="46" name="Rounded Rectangle 45">
-            <a:extLst>
-              <a:ext uri="{FF2B5EF4-FFF2-40B4-BE49-F238E27FC236}">
-                <a16:creationId xmlns:a16="http://schemas.microsoft.com/office/drawing/2014/main" id="{932AC074-9BB6-0346-A0A6-B54B1580D94F}"/>
+              <a:t>Event Streams</a:t>
+            </a:r>
+          </a:p>
+        </p:txBody>
+      </p:sp>
+      <p:sp>
+        <p:nvSpPr>
+          <p:cNvPr id="21" name="Rounded Rectangle 20">
+            <a:extLst>
+              <a:ext uri="{FF2B5EF4-FFF2-40B4-BE49-F238E27FC236}">
+                <a16:creationId xmlns:a16="http://schemas.microsoft.com/office/drawing/2014/main" id="{49C57C76-B2AB-F848-A480-27E21B1E0CBE}"/>
               </a:ext>
             </a:extLst>
           </p:cNvPr>
@@ -4406,8 +4317,8 @@
         </p:nvSpPr>
         <p:spPr>
           <a:xfrm>
-            <a:off x="2119146" y="31532"/>
-            <a:ext cx="9883668" cy="6784427"/>
+            <a:off x="6052108" y="2805186"/>
+            <a:ext cx="2513953" cy="1391494"/>
           </a:xfrm>
           <a:prstGeom prst="roundRect">
             <a:avLst/>
@@ -4435,16 +4346,93 @@
           <a:lstStyle/>
           <a:p>
             <a:pPr algn="ctr"/>
-            <a:endParaRPr lang="en-US" dirty="0"/>
-          </a:p>
-        </p:txBody>
-      </p:sp>
-      <p:sp>
-        <p:nvSpPr>
-          <p:cNvPr id="60" name="TextBox 59">
-            <a:extLst>
-              <a:ext uri="{FF2B5EF4-FFF2-40B4-BE49-F238E27FC236}">
-                <a16:creationId xmlns:a16="http://schemas.microsoft.com/office/drawing/2014/main" id="{1F256308-DBB1-4440-8702-FD8F520BF3B6}"/>
+            <a:endParaRPr lang="en-US"/>
+          </a:p>
+        </p:txBody>
+      </p:sp>
+      <p:pic>
+        <p:nvPicPr>
+          <p:cNvPr id="27" name="Picture 26">
+            <a:extLst>
+              <a:ext uri="{FF2B5EF4-FFF2-40B4-BE49-F238E27FC236}">
+                <a16:creationId xmlns:a16="http://schemas.microsoft.com/office/drawing/2014/main" id="{AD7287EF-B75A-8045-B940-950C85B718AA}"/>
+              </a:ext>
+            </a:extLst>
+          </p:cNvPr>
+          <p:cNvPicPr>
+            <a:picLocks noChangeAspect="1"/>
+          </p:cNvPicPr>
+          <p:nvPr/>
+        </p:nvPicPr>
+        <p:blipFill>
+          <a:blip r:embed="rId5"/>
+          <a:stretch>
+            <a:fillRect/>
+          </a:stretch>
+        </p:blipFill>
+        <p:spPr>
+          <a:xfrm>
+            <a:off x="6180652" y="818171"/>
+            <a:ext cx="910862" cy="910862"/>
+          </a:xfrm>
+          <a:prstGeom prst="rect">
+            <a:avLst/>
+          </a:prstGeom>
+        </p:spPr>
+      </p:pic>
+      <p:sp>
+        <p:nvSpPr>
+          <p:cNvPr id="48" name="Rounded Rectangle 47">
+            <a:extLst>
+              <a:ext uri="{FF2B5EF4-FFF2-40B4-BE49-F238E27FC236}">
+                <a16:creationId xmlns:a16="http://schemas.microsoft.com/office/drawing/2014/main" id="{EB5E42D1-3C25-A64E-BD9E-08D59FA996B1}"/>
+              </a:ext>
+            </a:extLst>
+          </p:cNvPr>
+          <p:cNvSpPr/>
+          <p:nvPr/>
+        </p:nvSpPr>
+        <p:spPr>
+          <a:xfrm>
+            <a:off x="6003469" y="679069"/>
+            <a:ext cx="2534421" cy="1081438"/>
+          </a:xfrm>
+          <a:prstGeom prst="roundRect">
+            <a:avLst/>
+          </a:prstGeom>
+          <a:noFill/>
+        </p:spPr>
+        <p:style>
+          <a:lnRef idx="2">
+            <a:schemeClr val="accent1">
+              <a:shade val="50000"/>
+            </a:schemeClr>
+          </a:lnRef>
+          <a:fillRef idx="1">
+            <a:schemeClr val="accent1"/>
+          </a:fillRef>
+          <a:effectRef idx="0">
+            <a:schemeClr val="accent1"/>
+          </a:effectRef>
+          <a:fontRef idx="minor">
+            <a:schemeClr val="lt1"/>
+          </a:fontRef>
+        </p:style>
+        <p:txBody>
+          <a:bodyPr rtlCol="0" anchor="ctr"/>
+          <a:lstStyle/>
+          <a:p>
+            <a:pPr algn="ctr"/>
+            <a:endParaRPr lang="en-US"/>
+          </a:p>
+        </p:txBody>
+      </p:sp>
+      <p:sp>
+        <p:nvSpPr>
+          <p:cNvPr id="28" name="TextBox 27">
+            <a:extLst>
+              <a:ext uri="{FF2B5EF4-FFF2-40B4-BE49-F238E27FC236}">
+                <a16:creationId xmlns:a16="http://schemas.microsoft.com/office/drawing/2014/main" id="{5F701EC1-6DB1-2742-8DA1-CB1A671D3936}"/>
               </a:ext>
             </a:extLst>
           </p:cNvPr>
@@ -4453,8 +4441,8 @@
         </p:nvSpPr>
         <p:spPr>
           <a:xfrm>
-            <a:off x="10088613" y="177938"/>
-            <a:ext cx="1568670" cy="369332"/>
+            <a:off x="7144302" y="945597"/>
+            <a:ext cx="1721806" cy="646331"/>
           </a:xfrm>
           <a:prstGeom prst="rect">
             <a:avLst/>
@@ -4468,16 +4456,326 @@
           <a:lstStyle/>
           <a:p>
             <a:r>
-              <a:rPr lang="en-US" dirty="0">
-                <a:solidFill>
-                  <a:schemeClr val="accent1"/>
-                </a:solidFill>
-              </a:rPr>
-              <a:t>IBM Cloud</a:t>
-            </a:r>
-          </a:p>
-        </p:txBody>
-      </p:sp>
+              <a:rPr lang="en-US" dirty="0"/>
+              <a:t>Cloud </a:t>
+            </a:r>
+          </a:p>
+          <a:p>
+            <a:r>
+              <a:rPr lang="en-US" dirty="0"/>
+              <a:t>Functions</a:t>
+            </a:r>
+          </a:p>
+        </p:txBody>
+      </p:sp>
+      <p:pic>
+        <p:nvPicPr>
+          <p:cNvPr id="32" name="Picture 31">
+            <a:extLst>
+              <a:ext uri="{FF2B5EF4-FFF2-40B4-BE49-F238E27FC236}">
+                <a16:creationId xmlns:a16="http://schemas.microsoft.com/office/drawing/2014/main" id="{FBEEE8C7-F35E-5D4E-800E-99CD24CDFC28}"/>
+              </a:ext>
+            </a:extLst>
+          </p:cNvPr>
+          <p:cNvPicPr>
+            <a:picLocks noChangeAspect="1"/>
+          </p:cNvPicPr>
+          <p:nvPr/>
+        </p:nvPicPr>
+        <p:blipFill>
+          <a:blip r:embed="rId6"/>
+          <a:stretch>
+            <a:fillRect/>
+          </a:stretch>
+        </p:blipFill>
+        <p:spPr>
+          <a:xfrm>
+            <a:off x="9485198" y="3025934"/>
+            <a:ext cx="947536" cy="947536"/>
+          </a:xfrm>
+          <a:prstGeom prst="rect">
+            <a:avLst/>
+          </a:prstGeom>
+        </p:spPr>
+      </p:pic>
+      <p:sp>
+        <p:nvSpPr>
+          <p:cNvPr id="58" name="Rounded Rectangle 57">
+            <a:extLst>
+              <a:ext uri="{FF2B5EF4-FFF2-40B4-BE49-F238E27FC236}">
+                <a16:creationId xmlns:a16="http://schemas.microsoft.com/office/drawing/2014/main" id="{55744C03-4F5A-1543-B7F1-4B5368E73BCF}"/>
+              </a:ext>
+            </a:extLst>
+          </p:cNvPr>
+          <p:cNvSpPr/>
+          <p:nvPr/>
+        </p:nvSpPr>
+        <p:spPr>
+          <a:xfrm>
+            <a:off x="9342831" y="2958983"/>
+            <a:ext cx="2534421" cy="1081438"/>
+          </a:xfrm>
+          <a:prstGeom prst="roundRect">
+            <a:avLst/>
+          </a:prstGeom>
+          <a:noFill/>
+        </p:spPr>
+        <p:style>
+          <a:lnRef idx="2">
+            <a:schemeClr val="accent1">
+              <a:shade val="50000"/>
+            </a:schemeClr>
+          </a:lnRef>
+          <a:fillRef idx="1">
+            <a:schemeClr val="accent1"/>
+          </a:fillRef>
+          <a:effectRef idx="0">
+            <a:schemeClr val="accent1"/>
+          </a:effectRef>
+          <a:fontRef idx="minor">
+            <a:schemeClr val="lt1"/>
+          </a:fontRef>
+        </p:style>
+        <p:txBody>
+          <a:bodyPr rtlCol="0" anchor="ctr"/>
+          <a:lstStyle/>
+          <a:p>
+            <a:pPr algn="ctr"/>
+            <a:endParaRPr lang="en-US"/>
+          </a:p>
+        </p:txBody>
+      </p:sp>
+      <p:sp>
+        <p:nvSpPr>
+          <p:cNvPr id="59" name="TextBox 58">
+            <a:extLst>
+              <a:ext uri="{FF2B5EF4-FFF2-40B4-BE49-F238E27FC236}">
+                <a16:creationId xmlns:a16="http://schemas.microsoft.com/office/drawing/2014/main" id="{11994E96-6172-104B-B2DC-60E6809F78CF}"/>
+              </a:ext>
+            </a:extLst>
+          </p:cNvPr>
+          <p:cNvSpPr txBox="1"/>
+          <p:nvPr/>
+        </p:nvSpPr>
+        <p:spPr>
+          <a:xfrm>
+            <a:off x="10432734" y="3349770"/>
+            <a:ext cx="1721806" cy="369332"/>
+          </a:xfrm>
+          <a:prstGeom prst="rect">
+            <a:avLst/>
+          </a:prstGeom>
+          <a:noFill/>
+        </p:spPr>
+        <p:txBody>
+          <a:bodyPr wrap="square" rtlCol="0">
+            <a:spAutoFit/>
+          </a:bodyPr>
+          <a:lstStyle/>
+          <a:p>
+            <a:r>
+              <a:rPr lang="en-US" dirty="0"/>
+              <a:t>IBM Streams</a:t>
+            </a:r>
+          </a:p>
+        </p:txBody>
+      </p:sp>
+      <p:sp>
+        <p:nvSpPr>
+          <p:cNvPr id="61" name="Rounded Rectangle 60">
+            <a:extLst>
+              <a:ext uri="{FF2B5EF4-FFF2-40B4-BE49-F238E27FC236}">
+                <a16:creationId xmlns:a16="http://schemas.microsoft.com/office/drawing/2014/main" id="{33C61E98-98E2-A443-BC71-A1E173B34210}"/>
+              </a:ext>
+            </a:extLst>
+          </p:cNvPr>
+          <p:cNvSpPr/>
+          <p:nvPr/>
+        </p:nvSpPr>
+        <p:spPr>
+          <a:xfrm>
+            <a:off x="6810780" y="5258017"/>
+            <a:ext cx="1309816" cy="1286836"/>
+          </a:xfrm>
+          <a:prstGeom prst="roundRect">
+            <a:avLst/>
+          </a:prstGeom>
+          <a:noFill/>
+        </p:spPr>
+        <p:style>
+          <a:lnRef idx="2">
+            <a:schemeClr val="accent1">
+              <a:shade val="50000"/>
+            </a:schemeClr>
+          </a:lnRef>
+          <a:fillRef idx="1">
+            <a:schemeClr val="accent1"/>
+          </a:fillRef>
+          <a:effectRef idx="0">
+            <a:schemeClr val="accent1"/>
+          </a:effectRef>
+          <a:fontRef idx="minor">
+            <a:schemeClr val="lt1"/>
+          </a:fontRef>
+        </p:style>
+        <p:txBody>
+          <a:bodyPr rtlCol="0" anchor="ctr"/>
+          <a:lstStyle/>
+          <a:p>
+            <a:pPr algn="ctr"/>
+            <a:endParaRPr lang="en-US"/>
+          </a:p>
+        </p:txBody>
+      </p:sp>
+      <p:sp>
+        <p:nvSpPr>
+          <p:cNvPr id="70" name="TextBox 69">
+            <a:extLst>
+              <a:ext uri="{FF2B5EF4-FFF2-40B4-BE49-F238E27FC236}">
+                <a16:creationId xmlns:a16="http://schemas.microsoft.com/office/drawing/2014/main" id="{E57F5096-DF2C-A549-9786-8C5CFC11BF21}"/>
+              </a:ext>
+            </a:extLst>
+          </p:cNvPr>
+          <p:cNvSpPr txBox="1"/>
+          <p:nvPr/>
+        </p:nvSpPr>
+        <p:spPr>
+          <a:xfrm>
+            <a:off x="8991502" y="3474297"/>
+            <a:ext cx="224920" cy="295468"/>
+          </a:xfrm>
+          <a:prstGeom prst="rect">
+            <a:avLst/>
+          </a:prstGeom>
+          <a:noFill/>
+        </p:spPr>
+        <p:txBody>
+          <a:bodyPr wrap="square" rtlCol="0">
+            <a:spAutoFit/>
+          </a:bodyPr>
+          <a:lstStyle/>
+          <a:p>
+            <a:r>
+              <a:rPr lang="en-US" dirty="0"/>
+              <a:t>6</a:t>
+            </a:r>
+          </a:p>
+        </p:txBody>
+      </p:sp>
+      <p:sp>
+        <p:nvSpPr>
+          <p:cNvPr id="79" name="Rounded Rectangle 78">
+            <a:extLst>
+              <a:ext uri="{FF2B5EF4-FFF2-40B4-BE49-F238E27FC236}">
+                <a16:creationId xmlns:a16="http://schemas.microsoft.com/office/drawing/2014/main" id="{C465B387-4AC4-3142-8576-3F5F521BD098}"/>
+              </a:ext>
+            </a:extLst>
+          </p:cNvPr>
+          <p:cNvSpPr/>
+          <p:nvPr/>
+        </p:nvSpPr>
+        <p:spPr>
+          <a:xfrm>
+            <a:off x="2604308" y="679069"/>
+            <a:ext cx="2534421" cy="1012132"/>
+          </a:xfrm>
+          <a:prstGeom prst="roundRect">
+            <a:avLst/>
+          </a:prstGeom>
+          <a:noFill/>
+        </p:spPr>
+        <p:style>
+          <a:lnRef idx="2">
+            <a:schemeClr val="accent1">
+              <a:shade val="50000"/>
+            </a:schemeClr>
+          </a:lnRef>
+          <a:fillRef idx="1">
+            <a:schemeClr val="accent1"/>
+          </a:fillRef>
+          <a:effectRef idx="0">
+            <a:schemeClr val="accent1"/>
+          </a:effectRef>
+          <a:fontRef idx="minor">
+            <a:schemeClr val="lt1"/>
+          </a:fontRef>
+        </p:style>
+        <p:txBody>
+          <a:bodyPr rtlCol="0" anchor="ctr"/>
+          <a:lstStyle/>
+          <a:p>
+            <a:pPr algn="ctr"/>
+            <a:endParaRPr lang="en-US"/>
+          </a:p>
+        </p:txBody>
+      </p:sp>
+      <p:pic>
+        <p:nvPicPr>
+          <p:cNvPr id="83" name="Picture 82">
+            <a:extLst>
+              <a:ext uri="{FF2B5EF4-FFF2-40B4-BE49-F238E27FC236}">
+                <a16:creationId xmlns:a16="http://schemas.microsoft.com/office/drawing/2014/main" id="{D097BACB-FF71-B448-A297-E1EC511EB786}"/>
+              </a:ext>
+            </a:extLst>
+          </p:cNvPr>
+          <p:cNvPicPr>
+            <a:picLocks noChangeAspect="1"/>
+          </p:cNvPicPr>
+          <p:nvPr/>
+        </p:nvPicPr>
+        <p:blipFill rotWithShape="1">
+          <a:blip r:embed="rId7"/>
+          <a:srcRect l="16194" t="11064" r="5010" b="7382"/>
+          <a:stretch/>
+        </p:blipFill>
+        <p:spPr>
+          <a:xfrm>
+            <a:off x="6884855" y="5383042"/>
+            <a:ext cx="1184102" cy="1062371"/>
+          </a:xfrm>
+          <a:prstGeom prst="rect">
+            <a:avLst/>
+          </a:prstGeom>
+        </p:spPr>
+      </p:pic>
+      <p:pic>
+        <p:nvPicPr>
+          <p:cNvPr id="85" name="Picture 84">
+            <a:extLst>
+              <a:ext uri="{FF2B5EF4-FFF2-40B4-BE49-F238E27FC236}">
+                <a16:creationId xmlns:a16="http://schemas.microsoft.com/office/drawing/2014/main" id="{E3624A7E-DFB4-4344-BBE4-24CAD6DE790E}"/>
+              </a:ext>
+            </a:extLst>
+          </p:cNvPr>
+          <p:cNvPicPr>
+            <a:picLocks noChangeAspect="1"/>
+          </p:cNvPicPr>
+          <p:nvPr/>
+        </p:nvPicPr>
+        <p:blipFill rotWithShape="1">
+          <a:blip r:embed="rId8">
+            <a:duotone>
+              <a:schemeClr val="accent5">
+                <a:shade val="45000"/>
+                <a:satMod val="135000"/>
+              </a:schemeClr>
+              <a:prstClr val="white"/>
+            </a:duotone>
+          </a:blip>
+          <a:srcRect l="14654" r="22623"/>
+          <a:stretch/>
+        </p:blipFill>
+        <p:spPr>
+          <a:xfrm>
+            <a:off x="660537" y="2957518"/>
+            <a:ext cx="658482" cy="1049831"/>
+          </a:xfrm>
+          <a:prstGeom prst="rect">
+            <a:avLst/>
+          </a:prstGeom>
+          <a:noFill/>
+        </p:spPr>
+      </p:pic>
     </p:spTree>
     <p:extLst>
       <p:ext uri="{BB962C8B-B14F-4D97-AF65-F5344CB8AC3E}">

--- a/design/Design.pptx
+++ b/design/Design.pptx
@@ -259,7 +259,7 @@
           <a:p>
             <a:fld id="{F4D45F52-4B85-444B-B170-249982F8F5EA}" type="datetimeFigureOut">
               <a:rPr lang="en-US" smtClean="0"/>
-              <a:t>6/25/19</a:t>
+              <a:t>6/27/19</a:t>
             </a:fld>
             <a:endParaRPr lang="en-US"/>
           </a:p>
@@ -457,7 +457,7 @@
           <a:p>
             <a:fld id="{F4D45F52-4B85-444B-B170-249982F8F5EA}" type="datetimeFigureOut">
               <a:rPr lang="en-US" smtClean="0"/>
-              <a:t>6/25/19</a:t>
+              <a:t>6/27/19</a:t>
             </a:fld>
             <a:endParaRPr lang="en-US"/>
           </a:p>
@@ -665,7 +665,7 @@
           <a:p>
             <a:fld id="{F4D45F52-4B85-444B-B170-249982F8F5EA}" type="datetimeFigureOut">
               <a:rPr lang="en-US" smtClean="0"/>
-              <a:t>6/25/19</a:t>
+              <a:t>6/27/19</a:t>
             </a:fld>
             <a:endParaRPr lang="en-US"/>
           </a:p>
@@ -863,7 +863,7 @@
           <a:p>
             <a:fld id="{F4D45F52-4B85-444B-B170-249982F8F5EA}" type="datetimeFigureOut">
               <a:rPr lang="en-US" smtClean="0"/>
-              <a:t>6/25/19</a:t>
+              <a:t>6/27/19</a:t>
             </a:fld>
             <a:endParaRPr lang="en-US"/>
           </a:p>
@@ -1138,7 +1138,7 @@
           <a:p>
             <a:fld id="{F4D45F52-4B85-444B-B170-249982F8F5EA}" type="datetimeFigureOut">
               <a:rPr lang="en-US" smtClean="0"/>
-              <a:t>6/25/19</a:t>
+              <a:t>6/27/19</a:t>
             </a:fld>
             <a:endParaRPr lang="en-US"/>
           </a:p>
@@ -1403,7 +1403,7 @@
           <a:p>
             <a:fld id="{F4D45F52-4B85-444B-B170-249982F8F5EA}" type="datetimeFigureOut">
               <a:rPr lang="en-US" smtClean="0"/>
-              <a:t>6/25/19</a:t>
+              <a:t>6/27/19</a:t>
             </a:fld>
             <a:endParaRPr lang="en-US"/>
           </a:p>
@@ -1815,7 +1815,7 @@
           <a:p>
             <a:fld id="{F4D45F52-4B85-444B-B170-249982F8F5EA}" type="datetimeFigureOut">
               <a:rPr lang="en-US" smtClean="0"/>
-              <a:t>6/25/19</a:t>
+              <a:t>6/27/19</a:t>
             </a:fld>
             <a:endParaRPr lang="en-US"/>
           </a:p>
@@ -1956,7 +1956,7 @@
           <a:p>
             <a:fld id="{F4D45F52-4B85-444B-B170-249982F8F5EA}" type="datetimeFigureOut">
               <a:rPr lang="en-US" smtClean="0"/>
-              <a:t>6/25/19</a:t>
+              <a:t>6/27/19</a:t>
             </a:fld>
             <a:endParaRPr lang="en-US"/>
           </a:p>
@@ -2069,7 +2069,7 @@
           <a:p>
             <a:fld id="{F4D45F52-4B85-444B-B170-249982F8F5EA}" type="datetimeFigureOut">
               <a:rPr lang="en-US" smtClean="0"/>
-              <a:t>6/25/19</a:t>
+              <a:t>6/27/19</a:t>
             </a:fld>
             <a:endParaRPr lang="en-US"/>
           </a:p>
@@ -2380,7 +2380,7 @@
           <a:p>
             <a:fld id="{F4D45F52-4B85-444B-B170-249982F8F5EA}" type="datetimeFigureOut">
               <a:rPr lang="en-US" smtClean="0"/>
-              <a:t>6/25/19</a:t>
+              <a:t>6/27/19</a:t>
             </a:fld>
             <a:endParaRPr lang="en-US"/>
           </a:p>
@@ -2668,7 +2668,7 @@
           <a:p>
             <a:fld id="{F4D45F52-4B85-444B-B170-249982F8F5EA}" type="datetimeFigureOut">
               <a:rPr lang="en-US" smtClean="0"/>
-              <a:t>6/25/19</a:t>
+              <a:t>6/27/19</a:t>
             </a:fld>
             <a:endParaRPr lang="en-US"/>
           </a:p>
@@ -2909,7 +2909,7 @@
           <a:p>
             <a:fld id="{F4D45F52-4B85-444B-B170-249982F8F5EA}" type="datetimeFigureOut">
               <a:rPr lang="en-US" smtClean="0"/>
-              <a:t>6/25/19</a:t>
+              <a:t>6/27/19</a:t>
             </a:fld>
             <a:endParaRPr lang="en-US"/>
           </a:p>
@@ -4559,8 +4559,8 @@
         </p:nvSpPr>
         <p:spPr>
           <a:xfrm>
-            <a:off x="10432734" y="3349770"/>
-            <a:ext cx="1721806" cy="369332"/>
+            <a:off x="10444116" y="3176536"/>
+            <a:ext cx="1721806" cy="646331"/>
           </a:xfrm>
           <a:prstGeom prst="rect">
             <a:avLst/>
@@ -4575,7 +4575,7 @@
           <a:p>
             <a:r>
               <a:rPr lang="en-US" dirty="0"/>
-              <a:t>IBM Streams</a:t>
+              <a:t>Streaming Analytics</a:t>
             </a:r>
           </a:p>
         </p:txBody>
